--- a/以太坊教程/课件/1_以太坊综述.pptx
+++ b/以太坊教程/课件/1_以太坊综述.pptx
@@ -219,7 +219,7 @@
           <a:p>
             <a:fld id="{31A2A103-01E9-406E-AEF1-210DF53BAA37}" type="datetimeFigureOut">
               <a:rPr lang="zh-CN" altLang="en-US" smtClean="0"/>
-              <a:t>2018/10/21</a:t>
+              <a:t>2018/11/28</a:t>
             </a:fld>
             <a:endParaRPr lang="zh-CN" altLang="en-US"/>
           </a:p>
@@ -3074,7 +3074,7 @@
           <a:p>
             <a:fld id="{530820CF-B880-4189-942D-D702A7CBA730}" type="datetimeFigureOut">
               <a:rPr lang="zh-CN" altLang="en-US" smtClean="0"/>
-              <a:t>2018/10/21</a:t>
+              <a:t>2018/11/28</a:t>
             </a:fld>
             <a:endParaRPr lang="zh-CN" altLang="en-US"/>
           </a:p>
@@ -3239,7 +3239,7 @@
           <a:p>
             <a:fld id="{530820CF-B880-4189-942D-D702A7CBA730}" type="datetimeFigureOut">
               <a:rPr lang="zh-CN" altLang="en-US" smtClean="0"/>
-              <a:t>2018/10/21</a:t>
+              <a:t>2018/11/28</a:t>
             </a:fld>
             <a:endParaRPr lang="zh-CN" altLang="en-US"/>
           </a:p>
@@ -3414,7 +3414,7 @@
           <a:p>
             <a:fld id="{530820CF-B880-4189-942D-D702A7CBA730}" type="datetimeFigureOut">
               <a:rPr lang="zh-CN" altLang="en-US" smtClean="0"/>
-              <a:t>2018/10/21</a:t>
+              <a:t>2018/11/28</a:t>
             </a:fld>
             <a:endParaRPr lang="zh-CN" altLang="en-US"/>
           </a:p>
@@ -3579,7 +3579,7 @@
           <a:p>
             <a:fld id="{530820CF-B880-4189-942D-D702A7CBA730}" type="datetimeFigureOut">
               <a:rPr lang="zh-CN" altLang="en-US" smtClean="0"/>
-              <a:t>2018/10/21</a:t>
+              <a:t>2018/11/28</a:t>
             </a:fld>
             <a:endParaRPr lang="zh-CN" altLang="en-US"/>
           </a:p>
@@ -3820,7 +3820,7 @@
           <a:p>
             <a:fld id="{530820CF-B880-4189-942D-D702A7CBA730}" type="datetimeFigureOut">
               <a:rPr lang="zh-CN" altLang="en-US" smtClean="0"/>
-              <a:t>2018/10/21</a:t>
+              <a:t>2018/11/28</a:t>
             </a:fld>
             <a:endParaRPr lang="zh-CN" altLang="en-US"/>
           </a:p>
@@ -4103,7 +4103,7 @@
           <a:p>
             <a:fld id="{530820CF-B880-4189-942D-D702A7CBA730}" type="datetimeFigureOut">
               <a:rPr lang="zh-CN" altLang="en-US" smtClean="0"/>
-              <a:t>2018/10/21</a:t>
+              <a:t>2018/11/28</a:t>
             </a:fld>
             <a:endParaRPr lang="zh-CN" altLang="en-US"/>
           </a:p>
@@ -4520,7 +4520,7 @@
           <a:p>
             <a:fld id="{530820CF-B880-4189-942D-D702A7CBA730}" type="datetimeFigureOut">
               <a:rPr lang="zh-CN" altLang="en-US" smtClean="0"/>
-              <a:t>2018/10/21</a:t>
+              <a:t>2018/11/28</a:t>
             </a:fld>
             <a:endParaRPr lang="zh-CN" altLang="en-US"/>
           </a:p>
@@ -4633,7 +4633,7 @@
           <a:p>
             <a:fld id="{530820CF-B880-4189-942D-D702A7CBA730}" type="datetimeFigureOut">
               <a:rPr lang="zh-CN" altLang="en-US" smtClean="0"/>
-              <a:t>2018/10/21</a:t>
+              <a:t>2018/11/28</a:t>
             </a:fld>
             <a:endParaRPr lang="zh-CN" altLang="en-US"/>
           </a:p>
@@ -4723,7 +4723,7 @@
           <a:p>
             <a:fld id="{530820CF-B880-4189-942D-D702A7CBA730}" type="datetimeFigureOut">
               <a:rPr lang="zh-CN" altLang="en-US" smtClean="0"/>
-              <a:t>2018/10/21</a:t>
+              <a:t>2018/11/28</a:t>
             </a:fld>
             <a:endParaRPr lang="zh-CN" altLang="en-US"/>
           </a:p>
@@ -4995,7 +4995,7 @@
           <a:p>
             <a:fld id="{530820CF-B880-4189-942D-D702A7CBA730}" type="datetimeFigureOut">
               <a:rPr lang="zh-CN" altLang="en-US" smtClean="0"/>
-              <a:t>2018/10/21</a:t>
+              <a:t>2018/11/28</a:t>
             </a:fld>
             <a:endParaRPr lang="zh-CN" altLang="en-US"/>
           </a:p>
@@ -5243,7 +5243,7 @@
           <a:p>
             <a:fld id="{530820CF-B880-4189-942D-D702A7CBA730}" type="datetimeFigureOut">
               <a:rPr lang="zh-CN" altLang="en-US" smtClean="0"/>
-              <a:t>2018/10/21</a:t>
+              <a:t>2018/11/28</a:t>
             </a:fld>
             <a:endParaRPr lang="zh-CN" altLang="en-US"/>
           </a:p>
@@ -5303,9 +5303,18 @@
 <p:sldMaster xmlns:a="http://schemas.openxmlformats.org/drawingml/2006/main" xmlns:r="http://schemas.openxmlformats.org/officeDocument/2006/relationships" xmlns:p="http://schemas.openxmlformats.org/presentationml/2006/main">
   <p:cSld>
     <p:bg>
-      <p:bgRef idx="1001">
-        <a:schemeClr val="bg1"/>
-      </p:bgRef>
+      <p:bgPr>
+        <a:blipFill dpi="0" rotWithShape="1">
+          <a:blip r:embed="rId13">
+            <a:lum/>
+          </a:blip>
+          <a:srcRect/>
+          <a:stretch>
+            <a:fillRect/>
+          </a:stretch>
+        </a:blipFill>
+        <a:effectLst/>
+      </p:bgPr>
     </p:bg>
     <p:spTree>
       <p:nvGrpSpPr>
@@ -5451,7 +5460,7 @@
           <a:p>
             <a:fld id="{530820CF-B880-4189-942D-D702A7CBA730}" type="datetimeFigureOut">
               <a:rPr lang="zh-CN" altLang="en-US" smtClean="0"/>
-              <a:t>2018/10/21</a:t>
+              <a:t>2018/11/28</a:t>
             </a:fld>
             <a:endParaRPr lang="zh-CN" altLang="en-US"/>
           </a:p>
@@ -6028,20 +6037,27 @@
             <p:ph type="title"/>
           </p:nvPr>
         </p:nvSpPr>
-        <p:spPr/>
-        <p:txBody>
-          <a:bodyPr/>
+        <p:spPr>
+          <a:xfrm>
+            <a:off x="457200" y="485800"/>
+            <a:ext cx="8229600" cy="1143000"/>
+          </a:xfrm>
+        </p:spPr>
+        <p:txBody>
+          <a:bodyPr>
+            <a:normAutofit/>
+          </a:bodyPr>
           <a:lstStyle/>
           <a:p>
             <a:pPr algn="l"/>
             <a:r>
-              <a:rPr lang="zh-CN" altLang="en-US" dirty="0" smtClean="0">
+              <a:rPr lang="zh-CN" altLang="en-US" sz="3600" dirty="0" smtClean="0">
                 <a:latin typeface="微软雅黑 Light" pitchFamily="34" charset="-122"/>
                 <a:ea typeface="微软雅黑 Light" pitchFamily="34" charset="-122"/>
               </a:rPr>
               <a:t>   以太坊的出现</a:t>
             </a:r>
-            <a:endParaRPr lang="zh-CN" altLang="en-US" dirty="0">
+            <a:endParaRPr lang="zh-CN" altLang="en-US" sz="3600" dirty="0">
               <a:latin typeface="微软雅黑 Light" pitchFamily="34" charset="-122"/>
               <a:ea typeface="微软雅黑 Light" pitchFamily="34" charset="-122"/>
             </a:endParaRPr>
@@ -6972,24 +6988,26 @@
         </p:nvSpPr>
         <p:spPr>
           <a:xfrm>
-            <a:off x="457200" y="274638"/>
+            <a:off x="457200" y="413792"/>
             <a:ext cx="8229600" cy="1143000"/>
           </a:xfrm>
         </p:spPr>
         <p:txBody>
-          <a:bodyPr/>
+          <a:bodyPr>
+            <a:normAutofit/>
+          </a:bodyPr>
           <a:lstStyle/>
           <a:p>
             <a:pPr algn="l"/>
             <a:r>
-              <a:rPr lang="zh-CN" altLang="en-US" dirty="0" smtClean="0">
+              <a:rPr lang="zh-CN" altLang="en-US" sz="3600" dirty="0" smtClean="0">
                 <a:latin typeface="微软雅黑 Light" pitchFamily="34" charset="-122"/>
                 <a:ea typeface="微软雅黑 Light" pitchFamily="34" charset="-122"/>
               </a:rPr>
               <a:t>  发展</a:t>
             </a:r>
             <a:r>
-              <a:rPr lang="zh-CN" altLang="en-US" dirty="0">
+              <a:rPr lang="zh-CN" altLang="en-US" sz="3600" dirty="0">
                 <a:latin typeface="微软雅黑 Light" pitchFamily="34" charset="-122"/>
                 <a:ea typeface="微软雅黑 Light" pitchFamily="34" charset="-122"/>
               </a:rPr>
@@ -7255,23 +7273,25 @@
         </p:nvSpPr>
         <p:spPr>
           <a:xfrm>
-            <a:off x="457200" y="274638"/>
+            <a:off x="457200" y="404664"/>
             <a:ext cx="8229600" cy="1143000"/>
           </a:xfrm>
         </p:spPr>
         <p:txBody>
-          <a:bodyPr/>
+          <a:bodyPr>
+            <a:normAutofit/>
+          </a:bodyPr>
           <a:lstStyle/>
           <a:p>
             <a:pPr algn="l"/>
             <a:r>
-              <a:rPr lang="zh-CN" altLang="en-US" dirty="0" smtClean="0">
+              <a:rPr lang="zh-CN" altLang="en-US" sz="3600" dirty="0" smtClean="0">
                 <a:latin typeface="微软雅黑 Light" pitchFamily="34" charset="-122"/>
                 <a:ea typeface="微软雅黑 Light" pitchFamily="34" charset="-122"/>
               </a:rPr>
               <a:t>  重大分叉</a:t>
             </a:r>
-            <a:endParaRPr lang="zh-CN" altLang="en-US" dirty="0">
+            <a:endParaRPr lang="zh-CN" altLang="en-US" sz="3600" dirty="0">
               <a:latin typeface="微软雅黑 Light" pitchFamily="34" charset="-122"/>
               <a:ea typeface="微软雅黑 Light" pitchFamily="34" charset="-122"/>
             </a:endParaRPr>
@@ -7426,23 +7446,25 @@
         </p:nvSpPr>
         <p:spPr>
           <a:xfrm>
-            <a:off x="457200" y="274638"/>
+            <a:off x="457200" y="404664"/>
             <a:ext cx="8229600" cy="1143000"/>
           </a:xfrm>
         </p:spPr>
         <p:txBody>
-          <a:bodyPr/>
+          <a:bodyPr>
+            <a:normAutofit/>
+          </a:bodyPr>
           <a:lstStyle/>
           <a:p>
             <a:pPr algn="l"/>
             <a:r>
-              <a:rPr lang="zh-CN" altLang="en-US" dirty="0" smtClean="0">
+              <a:rPr lang="zh-CN" altLang="en-US" sz="3600" dirty="0" smtClean="0">
                 <a:latin typeface="微软雅黑 Light" pitchFamily="34" charset="-122"/>
                 <a:ea typeface="微软雅黑 Light" pitchFamily="34" charset="-122"/>
               </a:rPr>
               <a:t>  发展现状</a:t>
             </a:r>
-            <a:endParaRPr lang="zh-CN" altLang="en-US" dirty="0">
+            <a:endParaRPr lang="zh-CN" altLang="en-US" sz="3600" dirty="0">
               <a:latin typeface="微软雅黑 Light" pitchFamily="34" charset="-122"/>
               <a:ea typeface="微软雅黑 Light" pitchFamily="34" charset="-122"/>
             </a:endParaRPr>
@@ -7537,20 +7559,27 @@
             <p:ph type="title"/>
           </p:nvPr>
         </p:nvSpPr>
-        <p:spPr/>
-        <p:txBody>
-          <a:bodyPr/>
+        <p:spPr>
+          <a:xfrm>
+            <a:off x="457200" y="413792"/>
+            <a:ext cx="8229600" cy="1143000"/>
+          </a:xfrm>
+        </p:spPr>
+        <p:txBody>
+          <a:bodyPr>
+            <a:normAutofit/>
+          </a:bodyPr>
           <a:lstStyle/>
           <a:p>
             <a:pPr algn="l"/>
             <a:r>
-              <a:rPr lang="zh-CN" altLang="en-US" dirty="0" smtClean="0">
+              <a:rPr lang="zh-CN" altLang="en-US" sz="3600" dirty="0" smtClean="0">
                 <a:latin typeface="微软雅黑 Light" pitchFamily="34" charset="-122"/>
                 <a:ea typeface="微软雅黑 Light" pitchFamily="34" charset="-122"/>
               </a:rPr>
               <a:t>  以太坊特点</a:t>
             </a:r>
-            <a:endParaRPr lang="zh-CN" altLang="en-US" dirty="0">
+            <a:endParaRPr lang="zh-CN" altLang="en-US" sz="3600" dirty="0">
               <a:latin typeface="微软雅黑 Light" pitchFamily="34" charset="-122"/>
               <a:ea typeface="微软雅黑 Light" pitchFamily="34" charset="-122"/>
             </a:endParaRPr>
@@ -7937,23 +7966,25 @@
         </p:nvSpPr>
         <p:spPr>
           <a:xfrm>
-            <a:off x="457200" y="116632"/>
+            <a:off x="457200" y="341784"/>
             <a:ext cx="8229600" cy="1143000"/>
           </a:xfrm>
         </p:spPr>
         <p:txBody>
-          <a:bodyPr/>
+          <a:bodyPr>
+            <a:normAutofit/>
+          </a:bodyPr>
           <a:lstStyle/>
           <a:p>
             <a:pPr algn="l"/>
             <a:r>
-              <a:rPr lang="zh-CN" altLang="en-US" dirty="0" smtClean="0">
+              <a:rPr lang="zh-CN" altLang="en-US" sz="3600" dirty="0" smtClean="0">
                 <a:latin typeface="微软雅黑 Light" pitchFamily="34" charset="-122"/>
                 <a:ea typeface="微软雅黑 Light" pitchFamily="34" charset="-122"/>
               </a:rPr>
               <a:t>  以太坊的组成部分</a:t>
             </a:r>
-            <a:endParaRPr lang="zh-CN" altLang="en-US" dirty="0">
+            <a:endParaRPr lang="zh-CN" altLang="en-US" sz="3600" dirty="0">
               <a:latin typeface="微软雅黑 Light" pitchFamily="34" charset="-122"/>
               <a:ea typeface="微软雅黑 Light" pitchFamily="34" charset="-122"/>
             </a:endParaRPr>
@@ -8489,20 +8520,27 @@
             <p:ph type="title"/>
           </p:nvPr>
         </p:nvSpPr>
-        <p:spPr/>
-        <p:txBody>
-          <a:bodyPr/>
+        <p:spPr>
+          <a:xfrm>
+            <a:off x="457200" y="413792"/>
+            <a:ext cx="8229600" cy="1143000"/>
+          </a:xfrm>
+        </p:spPr>
+        <p:txBody>
+          <a:bodyPr>
+            <a:normAutofit/>
+          </a:bodyPr>
           <a:lstStyle/>
           <a:p>
             <a:pPr algn="l"/>
             <a:r>
-              <a:rPr lang="zh-CN" altLang="en-US" dirty="0" smtClean="0">
+              <a:rPr lang="zh-CN" altLang="en-US" sz="3600" dirty="0" smtClean="0">
                 <a:latin typeface="微软雅黑 Light" pitchFamily="34" charset="-122"/>
                 <a:ea typeface="微软雅黑 Light" pitchFamily="34" charset="-122"/>
               </a:rPr>
               <a:t>  以太坊中的重要概念</a:t>
             </a:r>
-            <a:endParaRPr lang="zh-CN" altLang="en-US" dirty="0">
+            <a:endParaRPr lang="zh-CN" altLang="en-US" sz="3600" dirty="0">
               <a:latin typeface="微软雅黑 Light" pitchFamily="34" charset="-122"/>
               <a:ea typeface="微软雅黑 Light" pitchFamily="34" charset="-122"/>
             </a:endParaRPr>
@@ -8521,7 +8559,7 @@
         </p:nvSpPr>
         <p:spPr>
           <a:xfrm>
-            <a:off x="467544" y="1340768"/>
+            <a:off x="467544" y="1268760"/>
             <a:ext cx="8136904" cy="5328592"/>
           </a:xfrm>
         </p:spPr>
@@ -9072,23 +9110,25 @@
         </p:nvSpPr>
         <p:spPr>
           <a:xfrm>
-            <a:off x="457200" y="197768"/>
+            <a:off x="467544" y="413792"/>
             <a:ext cx="8229600" cy="1143000"/>
           </a:xfrm>
         </p:spPr>
         <p:txBody>
-          <a:bodyPr/>
+          <a:bodyPr>
+            <a:normAutofit/>
+          </a:bodyPr>
           <a:lstStyle/>
           <a:p>
             <a:pPr algn="l"/>
             <a:r>
-              <a:rPr lang="zh-CN" altLang="en-US" dirty="0" smtClean="0">
+              <a:rPr lang="zh-CN" altLang="en-US" sz="3600" dirty="0" smtClean="0">
                 <a:latin typeface="微软雅黑 Light" pitchFamily="34" charset="-122"/>
                 <a:ea typeface="微软雅黑 Light" pitchFamily="34" charset="-122"/>
               </a:rPr>
               <a:t>  以太坊的货币</a:t>
             </a:r>
-            <a:endParaRPr lang="zh-CN" altLang="en-US" dirty="0">
+            <a:endParaRPr lang="zh-CN" altLang="en-US" sz="3600" dirty="0">
               <a:latin typeface="微软雅黑 Light" pitchFamily="34" charset="-122"/>
               <a:ea typeface="微软雅黑 Light" pitchFamily="34" charset="-122"/>
             </a:endParaRPr>
@@ -9107,7 +9147,7 @@
         </p:nvSpPr>
         <p:spPr>
           <a:xfrm>
-            <a:off x="539552" y="1340768"/>
+            <a:off x="539552" y="1268760"/>
             <a:ext cx="8136904" cy="5328592"/>
           </a:xfrm>
         </p:spPr>
@@ -9687,23 +9727,25 @@
         </p:nvSpPr>
         <p:spPr>
           <a:xfrm>
-            <a:off x="457200" y="197768"/>
+            <a:off x="457200" y="413792"/>
             <a:ext cx="8229600" cy="1143000"/>
           </a:xfrm>
         </p:spPr>
         <p:txBody>
-          <a:bodyPr/>
+          <a:bodyPr>
+            <a:normAutofit/>
+          </a:bodyPr>
           <a:lstStyle/>
           <a:p>
             <a:pPr algn="l"/>
             <a:r>
-              <a:rPr lang="zh-CN" altLang="en-US" dirty="0" smtClean="0">
+              <a:rPr lang="zh-CN" altLang="en-US" sz="3600" dirty="0" smtClean="0">
                 <a:latin typeface="微软雅黑 Light" pitchFamily="34" charset="-122"/>
                 <a:ea typeface="微软雅黑 Light" pitchFamily="34" charset="-122"/>
               </a:rPr>
               <a:t>  以太坊的挖矿产出</a:t>
             </a:r>
-            <a:endParaRPr lang="zh-CN" altLang="en-US" dirty="0">
+            <a:endParaRPr lang="zh-CN" altLang="en-US" sz="3600" dirty="0">
               <a:latin typeface="微软雅黑 Light" pitchFamily="34" charset="-122"/>
               <a:ea typeface="微软雅黑 Light" pitchFamily="34" charset="-122"/>
             </a:endParaRPr>
@@ -10003,19 +10045,26 @@
             <p:ph type="title"/>
           </p:nvPr>
         </p:nvSpPr>
-        <p:spPr/>
-        <p:txBody>
-          <a:bodyPr/>
+        <p:spPr>
+          <a:xfrm>
+            <a:off x="323528" y="485800"/>
+            <a:ext cx="8229600" cy="1143000"/>
+          </a:xfrm>
+        </p:spPr>
+        <p:txBody>
+          <a:bodyPr>
+            <a:normAutofit/>
+          </a:bodyPr>
           <a:lstStyle/>
           <a:p>
             <a:r>
-              <a:rPr lang="zh-CN" altLang="en-US" dirty="0" smtClean="0">
+              <a:rPr lang="zh-CN" altLang="en-US" sz="3600" dirty="0" smtClean="0">
                 <a:latin typeface="微软雅黑 Light" pitchFamily="34" charset="-122"/>
                 <a:ea typeface="微软雅黑 Light" pitchFamily="34" charset="-122"/>
               </a:rPr>
               <a:t>以太币供应量</a:t>
             </a:r>
-            <a:endParaRPr lang="zh-CN" altLang="en-US" dirty="0">
+            <a:endParaRPr lang="zh-CN" altLang="en-US" sz="3600" dirty="0">
               <a:latin typeface="微软雅黑 Light" pitchFamily="34" charset="-122"/>
               <a:ea typeface="微软雅黑 Light" pitchFamily="34" charset="-122"/>
             </a:endParaRPr>
@@ -10133,20 +10182,27 @@
             <p:ph type="title"/>
           </p:nvPr>
         </p:nvSpPr>
-        <p:spPr/>
-        <p:txBody>
-          <a:bodyPr/>
+        <p:spPr>
+          <a:xfrm>
+            <a:off x="457200" y="557808"/>
+            <a:ext cx="8229600" cy="1143000"/>
+          </a:xfrm>
+        </p:spPr>
+        <p:txBody>
+          <a:bodyPr>
+            <a:normAutofit/>
+          </a:bodyPr>
           <a:lstStyle/>
           <a:p>
             <a:pPr indent="457200" algn="l"/>
             <a:r>
-              <a:rPr lang="zh-CN" altLang="en-US" dirty="0" smtClean="0">
+              <a:rPr lang="zh-CN" altLang="en-US" sz="3600" dirty="0" smtClean="0">
                 <a:latin typeface="微软雅黑 Light" pitchFamily="34" charset="-122"/>
                 <a:ea typeface="微软雅黑 Light" pitchFamily="34" charset="-122"/>
               </a:rPr>
               <a:t>为什么要学习以太坊</a:t>
             </a:r>
-            <a:endParaRPr lang="zh-CN" altLang="en-US" dirty="0">
+            <a:endParaRPr lang="zh-CN" altLang="en-US" sz="3600" dirty="0">
               <a:latin typeface="微软雅黑 Light" pitchFamily="34" charset="-122"/>
               <a:ea typeface="微软雅黑 Light" pitchFamily="34" charset="-122"/>
             </a:endParaRPr>
@@ -10278,13 +10334,20 @@
             <p:ph type="title"/>
           </p:nvPr>
         </p:nvSpPr>
-        <p:spPr/>
-        <p:txBody>
-          <a:bodyPr/>
+        <p:spPr>
+          <a:xfrm>
+            <a:off x="457200" y="485800"/>
+            <a:ext cx="8229600" cy="1143000"/>
+          </a:xfrm>
+        </p:spPr>
+        <p:txBody>
+          <a:bodyPr>
+            <a:normAutofit/>
+          </a:bodyPr>
           <a:lstStyle/>
           <a:p>
             <a:r>
-              <a:rPr lang="zh-CN" altLang="en-US" dirty="0">
+              <a:rPr lang="zh-CN" altLang="en-US" sz="3600" dirty="0">
                 <a:latin typeface="微软雅黑 Light" pitchFamily="34" charset="-122"/>
                 <a:ea typeface="微软雅黑 Light" pitchFamily="34" charset="-122"/>
               </a:rPr>
@@ -10316,7 +10379,7 @@
         </p:blipFill>
         <p:spPr bwMode="auto">
           <a:xfrm>
-            <a:off x="1043608" y="1631968"/>
+            <a:off x="1043608" y="1484784"/>
             <a:ext cx="7200800" cy="4677352"/>
           </a:xfrm>
           <a:prstGeom prst="rect">
@@ -10404,20 +10467,27 @@
             <p:ph type="title"/>
           </p:nvPr>
         </p:nvSpPr>
-        <p:spPr/>
-        <p:txBody>
-          <a:bodyPr/>
+        <p:spPr>
+          <a:xfrm>
+            <a:off x="457200" y="485800"/>
+            <a:ext cx="8229600" cy="1143000"/>
+          </a:xfrm>
+        </p:spPr>
+        <p:txBody>
+          <a:bodyPr>
+            <a:normAutofit/>
+          </a:bodyPr>
           <a:lstStyle/>
           <a:p>
             <a:pPr algn="l"/>
             <a:r>
-              <a:rPr lang="zh-CN" altLang="en-US" dirty="0" smtClean="0">
+              <a:rPr lang="zh-CN" altLang="en-US" sz="3600" dirty="0" smtClean="0">
                 <a:latin typeface="微软雅黑 Light" pitchFamily="34" charset="-122"/>
                 <a:ea typeface="微软雅黑 Light" pitchFamily="34" charset="-122"/>
               </a:rPr>
               <a:t>  以太坊区块收入</a:t>
             </a:r>
-            <a:endParaRPr lang="zh-CN" altLang="en-US" dirty="0">
+            <a:endParaRPr lang="zh-CN" altLang="en-US" sz="3600" dirty="0">
               <a:latin typeface="微软雅黑 Light" pitchFamily="34" charset="-122"/>
               <a:ea typeface="微软雅黑 Light" pitchFamily="34" charset="-122"/>
             </a:endParaRPr>
@@ -10755,34 +10825,41 @@
             <p:ph type="title"/>
           </p:nvPr>
         </p:nvSpPr>
-        <p:spPr/>
-        <p:txBody>
-          <a:bodyPr/>
+        <p:spPr>
+          <a:xfrm>
+            <a:off x="457200" y="485800"/>
+            <a:ext cx="8229600" cy="1143000"/>
+          </a:xfrm>
+        </p:spPr>
+        <p:txBody>
+          <a:bodyPr>
+            <a:normAutofit/>
+          </a:bodyPr>
           <a:lstStyle/>
           <a:p>
             <a:pPr algn="l"/>
             <a:r>
-              <a:rPr lang="zh-CN" altLang="en-US" dirty="0" smtClean="0">
+              <a:rPr lang="zh-CN" altLang="en-US" sz="3600" dirty="0" smtClean="0">
                 <a:latin typeface="微软雅黑 Light" pitchFamily="34" charset="-122"/>
                 <a:ea typeface="微软雅黑 Light" pitchFamily="34" charset="-122"/>
               </a:rPr>
               <a:t>  “幽灵”（</a:t>
             </a:r>
             <a:r>
-              <a:rPr lang="en-US" altLang="zh-CN" dirty="0" smtClean="0">
+              <a:rPr lang="en-US" altLang="zh-CN" sz="3600" dirty="0" smtClean="0">
                 <a:latin typeface="微软雅黑 Light" pitchFamily="34" charset="-122"/>
                 <a:ea typeface="微软雅黑 Light" pitchFamily="34" charset="-122"/>
               </a:rPr>
               <a:t>GHOST</a:t>
             </a:r>
             <a:r>
-              <a:rPr lang="zh-CN" altLang="en-US" dirty="0" smtClean="0">
+              <a:rPr lang="zh-CN" altLang="en-US" sz="3600" dirty="0" smtClean="0">
                 <a:latin typeface="微软雅黑 Light" pitchFamily="34" charset="-122"/>
                 <a:ea typeface="微软雅黑 Light" pitchFamily="34" charset="-122"/>
               </a:rPr>
               <a:t>）协议</a:t>
             </a:r>
-            <a:endParaRPr lang="zh-CN" altLang="en-US" dirty="0">
+            <a:endParaRPr lang="zh-CN" altLang="en-US" sz="3600" dirty="0">
               <a:latin typeface="微软雅黑 Light" pitchFamily="34" charset="-122"/>
               <a:ea typeface="微软雅黑 Light" pitchFamily="34" charset="-122"/>
             </a:endParaRPr>
@@ -11189,20 +11266,27 @@
             <p:ph type="title"/>
           </p:nvPr>
         </p:nvSpPr>
-        <p:spPr/>
-        <p:txBody>
-          <a:bodyPr/>
+        <p:spPr>
+          <a:xfrm>
+            <a:off x="457200" y="413792"/>
+            <a:ext cx="8229600" cy="1143000"/>
+          </a:xfrm>
+        </p:spPr>
+        <p:txBody>
+          <a:bodyPr>
+            <a:normAutofit/>
+          </a:bodyPr>
           <a:lstStyle/>
           <a:p>
             <a:pPr algn="l"/>
             <a:r>
-              <a:rPr lang="zh-CN" altLang="en-US" dirty="0" smtClean="0">
+              <a:rPr lang="zh-CN" altLang="en-US" sz="3600" dirty="0" smtClean="0">
                 <a:latin typeface="微软雅黑 Light" pitchFamily="34" charset="-122"/>
                 <a:ea typeface="微软雅黑 Light" pitchFamily="34" charset="-122"/>
               </a:rPr>
               <a:t>  以太坊和图灵完备</a:t>
             </a:r>
-            <a:endParaRPr lang="zh-CN" altLang="en-US" dirty="0">
+            <a:endParaRPr lang="zh-CN" altLang="en-US" sz="3600" dirty="0">
               <a:latin typeface="微软雅黑 Light" pitchFamily="34" charset="-122"/>
               <a:ea typeface="微软雅黑 Light" pitchFamily="34" charset="-122"/>
             </a:endParaRPr>
@@ -11221,7 +11305,7 @@
         </p:nvSpPr>
         <p:spPr>
           <a:xfrm>
-            <a:off x="467544" y="1268760"/>
+            <a:off x="467544" y="1196752"/>
             <a:ext cx="8424936" cy="5328592"/>
           </a:xfrm>
         </p:spPr>
@@ -11618,23 +11702,25 @@
         </p:nvSpPr>
         <p:spPr>
           <a:xfrm>
-            <a:off x="446856" y="274638"/>
+            <a:off x="446856" y="485800"/>
             <a:ext cx="8229600" cy="1143000"/>
           </a:xfrm>
         </p:spPr>
         <p:txBody>
-          <a:bodyPr/>
+          <a:bodyPr>
+            <a:normAutofit/>
+          </a:bodyPr>
           <a:lstStyle/>
           <a:p>
             <a:pPr algn="l"/>
             <a:r>
-              <a:rPr lang="zh-CN" altLang="en-US" dirty="0" smtClean="0">
+              <a:rPr lang="zh-CN" altLang="en-US" sz="3600" dirty="0" smtClean="0">
                 <a:latin typeface="微软雅黑 Light" pitchFamily="34" charset="-122"/>
                 <a:ea typeface="微软雅黑 Light" pitchFamily="34" charset="-122"/>
               </a:rPr>
               <a:t> 去中心化应用</a:t>
             </a:r>
-            <a:endParaRPr lang="zh-CN" altLang="en-US" dirty="0">
+            <a:endParaRPr lang="zh-CN" altLang="en-US" sz="3600" dirty="0">
               <a:latin typeface="微软雅黑 Light" pitchFamily="34" charset="-122"/>
               <a:ea typeface="微软雅黑 Light" pitchFamily="34" charset="-122"/>
             </a:endParaRPr>
@@ -12021,23 +12107,25 @@
         </p:nvSpPr>
         <p:spPr>
           <a:xfrm>
-            <a:off x="446856" y="274638"/>
+            <a:off x="446856" y="413792"/>
             <a:ext cx="8229600" cy="1143000"/>
           </a:xfrm>
         </p:spPr>
         <p:txBody>
-          <a:bodyPr/>
+          <a:bodyPr>
+            <a:normAutofit/>
+          </a:bodyPr>
           <a:lstStyle/>
           <a:p>
             <a:pPr algn="l"/>
             <a:r>
-              <a:rPr lang="zh-CN" altLang="en-US" dirty="0" smtClean="0">
+              <a:rPr lang="zh-CN" altLang="en-US" sz="3600" dirty="0" smtClean="0">
                 <a:latin typeface="微软雅黑 Light" pitchFamily="34" charset="-122"/>
                 <a:ea typeface="微软雅黑 Light" pitchFamily="34" charset="-122"/>
               </a:rPr>
               <a:t> 以太坊应用</a:t>
             </a:r>
-            <a:endParaRPr lang="zh-CN" altLang="en-US" dirty="0">
+            <a:endParaRPr lang="zh-CN" altLang="en-US" sz="3600" dirty="0">
               <a:latin typeface="微软雅黑 Light" pitchFamily="34" charset="-122"/>
               <a:ea typeface="微软雅黑 Light" pitchFamily="34" charset="-122"/>
             </a:endParaRPr>
@@ -12393,37 +12481,39 @@
         </p:nvSpPr>
         <p:spPr>
           <a:xfrm>
-            <a:off x="446856" y="274638"/>
+            <a:off x="446856" y="485800"/>
             <a:ext cx="8229600" cy="1143000"/>
           </a:xfrm>
         </p:spPr>
         <p:txBody>
-          <a:bodyPr/>
+          <a:bodyPr>
+            <a:normAutofit/>
+          </a:bodyPr>
           <a:lstStyle/>
           <a:p>
             <a:pPr algn="l"/>
             <a:r>
-              <a:rPr lang="zh-CN" altLang="en-US" dirty="0" smtClean="0">
+              <a:rPr lang="zh-CN" altLang="en-US" sz="3600" dirty="0" smtClean="0">
                 <a:latin typeface="微软雅黑 Light" pitchFamily="34" charset="-122"/>
                 <a:ea typeface="微软雅黑 Light" pitchFamily="34" charset="-122"/>
               </a:rPr>
               <a:t> 代币（</a:t>
             </a:r>
             <a:r>
-              <a:rPr lang="en-US" altLang="zh-CN" dirty="0" smtClean="0">
+              <a:rPr lang="en-US" altLang="zh-CN" sz="3600" dirty="0" smtClean="0">
                 <a:latin typeface="微软雅黑 Light" pitchFamily="34" charset="-122"/>
                 <a:ea typeface="微软雅黑 Light" pitchFamily="34" charset="-122"/>
               </a:rPr>
               <a:t>Token</a:t>
             </a:r>
             <a:r>
-              <a:rPr lang="zh-CN" altLang="en-US" dirty="0" smtClean="0">
+              <a:rPr lang="zh-CN" altLang="en-US" sz="3600" dirty="0" smtClean="0">
                 <a:latin typeface="微软雅黑 Light" pitchFamily="34" charset="-122"/>
                 <a:ea typeface="微软雅黑 Light" pitchFamily="34" charset="-122"/>
               </a:rPr>
               <a:t>）</a:t>
             </a:r>
-            <a:endParaRPr lang="zh-CN" altLang="en-US" dirty="0">
+            <a:endParaRPr lang="zh-CN" altLang="en-US" sz="3600" dirty="0">
               <a:latin typeface="微软雅黑 Light" pitchFamily="34" charset="-122"/>
               <a:ea typeface="微软雅黑 Light" pitchFamily="34" charset="-122"/>
             </a:endParaRPr>
@@ -12757,23 +12847,25 @@
         </p:nvSpPr>
         <p:spPr>
           <a:xfrm>
-            <a:off x="446856" y="274638"/>
+            <a:off x="446856" y="413792"/>
             <a:ext cx="8229600" cy="1143000"/>
           </a:xfrm>
         </p:spPr>
         <p:txBody>
-          <a:bodyPr/>
+          <a:bodyPr>
+            <a:normAutofit/>
+          </a:bodyPr>
           <a:lstStyle/>
           <a:p>
             <a:pPr algn="l"/>
             <a:r>
-              <a:rPr lang="zh-CN" altLang="en-US" dirty="0" smtClean="0">
+              <a:rPr lang="zh-CN" altLang="en-US" sz="3600" dirty="0" smtClean="0">
                 <a:latin typeface="微软雅黑 Light" pitchFamily="34" charset="-122"/>
                 <a:ea typeface="微软雅黑 Light" pitchFamily="34" charset="-122"/>
               </a:rPr>
               <a:t> 名词解释</a:t>
             </a:r>
-            <a:endParaRPr lang="zh-CN" altLang="en-US" dirty="0">
+            <a:endParaRPr lang="zh-CN" altLang="en-US" sz="3600" dirty="0">
               <a:latin typeface="微软雅黑 Light" pitchFamily="34" charset="-122"/>
               <a:ea typeface="微软雅黑 Light" pitchFamily="34" charset="-122"/>
             </a:endParaRPr>
@@ -12792,7 +12884,7 @@
         </p:nvSpPr>
         <p:spPr>
           <a:xfrm>
-            <a:off x="611560" y="1340768"/>
+            <a:off x="611560" y="1196752"/>
             <a:ext cx="8136904" cy="5328592"/>
           </a:xfrm>
         </p:spPr>
@@ -13418,14 +13510,21 @@
             <p:ph type="title"/>
           </p:nvPr>
         </p:nvSpPr>
-        <p:spPr/>
-        <p:txBody>
-          <a:bodyPr/>
+        <p:spPr>
+          <a:xfrm>
+            <a:off x="457200" y="341784"/>
+            <a:ext cx="8229600" cy="1143000"/>
+          </a:xfrm>
+        </p:spPr>
+        <p:txBody>
+          <a:bodyPr>
+            <a:normAutofit/>
+          </a:bodyPr>
           <a:lstStyle/>
           <a:p>
             <a:pPr indent="457200" algn="l"/>
             <a:r>
-              <a:rPr lang="zh-CN" altLang="en-US" dirty="0">
+              <a:rPr lang="zh-CN" altLang="en-US" sz="3600" dirty="0">
                 <a:latin typeface="微软雅黑 Light" pitchFamily="34" charset="-122"/>
                 <a:ea typeface="微软雅黑 Light" pitchFamily="34" charset="-122"/>
               </a:rPr>
@@ -13444,14 +13543,14 @@
             <p:ph idx="1"/>
             <p:extLst>
               <p:ext uri="{D42A27DB-BD31-4B8C-83A1-F6EECF244321}">
-                <p14:modId xmlns:p14="http://schemas.microsoft.com/office/powerpoint/2010/main" val="1141996011"/>
+                <p14:modId xmlns:p14="http://schemas.microsoft.com/office/powerpoint/2010/main" val="3236835135"/>
               </p:ext>
             </p:extLst>
           </p:nvPr>
         </p:nvGraphicFramePr>
         <p:xfrm>
-          <a:off x="539552" y="1292092"/>
-          <a:ext cx="8229600" cy="5273480"/>
+          <a:off x="539552" y="1292093"/>
+          <a:ext cx="8229600" cy="5099827"/>
         </p:xfrm>
         <a:graphic>
           <a:graphicData uri="http://schemas.openxmlformats.org/drawingml/2006/table">
@@ -13465,7 +13564,7 @@
                 <a:gridCol w="2808312"/>
                 <a:gridCol w="1172816"/>
               </a:tblGrid>
-              <a:tr h="528166">
+              <a:tr h="508371">
                 <a:tc>
                   <a:txBody>
                     <a:bodyPr/>
@@ -13551,7 +13650,7 @@
                   <a:tcPr anchor="ctr"/>
                 </a:tc>
               </a:tr>
-              <a:tr h="528166">
+              <a:tr h="508371">
                 <a:tc rowSpan="3">
                   <a:txBody>
                     <a:bodyPr/>
@@ -13637,7 +13736,7 @@
                   <a:tcPr anchor="ctr"/>
                 </a:tc>
               </a:tr>
-              <a:tr h="528166">
+              <a:tr h="508371">
                 <a:tc vMerge="1">
                   <a:txBody>
                     <a:bodyPr/>
@@ -13716,7 +13815,7 @@
                   <a:tcPr anchor="ctr"/>
                 </a:tc>
               </a:tr>
-              <a:tr h="768434">
+              <a:tr h="739634">
                 <a:tc vMerge="1">
                   <a:txBody>
                     <a:bodyPr/>
@@ -13809,7 +13908,7 @@
                   <a:tcPr anchor="ctr"/>
                 </a:tc>
               </a:tr>
-              <a:tr h="528166">
+              <a:tr h="508371">
                 <a:tc rowSpan="2">
                   <a:txBody>
                     <a:bodyPr/>
@@ -13895,7 +13994,7 @@
                   <a:tcPr anchor="ctr"/>
                 </a:tc>
               </a:tr>
-              <a:tr h="695970">
+              <a:tr h="669887">
                 <a:tc vMerge="1">
                   <a:txBody>
                     <a:bodyPr/>
@@ -14009,7 +14108,7 @@
                   <a:tcPr anchor="ctr"/>
                 </a:tc>
               </a:tr>
-              <a:tr h="528166">
+              <a:tr h="508371">
                 <a:tc rowSpan="3">
                   <a:txBody>
                     <a:bodyPr/>
@@ -14109,7 +14208,7 @@
                   <a:tcPr anchor="ctr"/>
                 </a:tc>
               </a:tr>
-              <a:tr h="528166">
+              <a:tr h="508371">
                 <a:tc vMerge="1">
                   <a:txBody>
                     <a:bodyPr/>
@@ -14225,7 +14324,7 @@
                   <a:tcPr anchor="ctr"/>
                 </a:tc>
               </a:tr>
-              <a:tr h="528166">
+              <a:tr h="629488">
                 <a:tc vMerge="1">
                   <a:txBody>
                     <a:bodyPr/>
@@ -14369,14 +14468,14 @@
             <p:ph idx="1"/>
             <p:extLst>
               <p:ext uri="{D42A27DB-BD31-4B8C-83A1-F6EECF244321}">
-                <p14:modId xmlns:p14="http://schemas.microsoft.com/office/powerpoint/2010/main" val="1225026900"/>
+                <p14:modId xmlns:p14="http://schemas.microsoft.com/office/powerpoint/2010/main" val="1911373876"/>
               </p:ext>
             </p:extLst>
           </p:nvPr>
         </p:nvGraphicFramePr>
         <p:xfrm>
-          <a:off x="539552" y="476672"/>
-          <a:ext cx="8229600" cy="5959550"/>
+          <a:off x="539552" y="683093"/>
+          <a:ext cx="8229600" cy="5640345"/>
         </p:xfrm>
         <a:graphic>
           <a:graphicData uri="http://schemas.openxmlformats.org/drawingml/2006/table">
@@ -14390,7 +14489,7 @@
                 <a:gridCol w="2808312"/>
                 <a:gridCol w="1172816"/>
               </a:tblGrid>
-              <a:tr h="528166">
+              <a:tr h="496473">
                 <a:tc>
                   <a:txBody>
                     <a:bodyPr/>
@@ -14476,7 +14575,7 @@
                   <a:tcPr anchor="ctr"/>
                 </a:tc>
               </a:tr>
-              <a:tr h="830864">
+              <a:tr h="781006">
                 <a:tc rowSpan="3">
                   <a:txBody>
                     <a:bodyPr/>
@@ -14576,7 +14675,7 @@
                   <a:tcPr anchor="ctr"/>
                 </a:tc>
               </a:tr>
-              <a:tr h="528166">
+              <a:tr h="496473">
                 <a:tc vMerge="1">
                   <a:txBody>
                     <a:bodyPr/>
@@ -14655,7 +14754,7 @@
                   <a:tcPr anchor="ctr"/>
                 </a:tc>
               </a:tr>
-              <a:tr h="535271">
+              <a:tr h="503151">
                 <a:tc vMerge="1">
                   <a:txBody>
                     <a:bodyPr/>
@@ -14734,7 +14833,7 @@
                   <a:tcPr anchor="ctr"/>
                 </a:tc>
               </a:tr>
-              <a:tr h="999555">
+              <a:tr h="939574">
                 <a:tc rowSpan="2">
                   <a:txBody>
                     <a:bodyPr/>
@@ -14846,7 +14945,7 @@
                   <a:tcPr anchor="ctr"/>
                 </a:tc>
               </a:tr>
-              <a:tr h="535271">
+              <a:tr h="503151">
                 <a:tc vMerge="1">
                   <a:txBody>
                     <a:bodyPr/>
@@ -14946,7 +15045,7 @@
                   <a:tcPr anchor="ctr"/>
                 </a:tc>
               </a:tr>
-              <a:tr h="528166">
+              <a:tr h="496473">
                 <a:tc rowSpan="3">
                   <a:txBody>
                     <a:bodyPr/>
@@ -15074,7 +15173,7 @@
                   <a:tcPr anchor="ctr"/>
                 </a:tc>
               </a:tr>
-              <a:tr h="834011">
+              <a:tr h="783964">
                 <a:tc vMerge="1">
                   <a:txBody>
                     <a:bodyPr/>
@@ -15181,7 +15280,7 @@
                   <a:tcPr anchor="ctr"/>
                 </a:tc>
               </a:tr>
-              <a:tr h="528166">
+              <a:tr h="625961">
                 <a:tc vMerge="1">
                   <a:txBody>
                     <a:bodyPr/>
@@ -15318,20 +15417,27 @@
             <p:ph type="title"/>
           </p:nvPr>
         </p:nvSpPr>
-        <p:spPr/>
-        <p:txBody>
-          <a:bodyPr/>
+        <p:spPr>
+          <a:xfrm>
+            <a:off x="457200" y="485800"/>
+            <a:ext cx="8229600" cy="1143000"/>
+          </a:xfrm>
+        </p:spPr>
+        <p:txBody>
+          <a:bodyPr>
+            <a:normAutofit/>
+          </a:bodyPr>
           <a:lstStyle/>
           <a:p>
             <a:pPr indent="457200" algn="l"/>
             <a:r>
-              <a:rPr lang="zh-CN" altLang="en-US" dirty="0" smtClean="0">
+              <a:rPr lang="zh-CN" altLang="en-US" sz="3600" dirty="0" smtClean="0">
                 <a:latin typeface="微软雅黑 Light" pitchFamily="34" charset="-122"/>
                 <a:ea typeface="微软雅黑 Light" pitchFamily="34" charset="-122"/>
               </a:rPr>
               <a:t>学习目标</a:t>
             </a:r>
-            <a:endParaRPr lang="zh-CN" altLang="en-US" dirty="0">
+            <a:endParaRPr lang="zh-CN" altLang="en-US" sz="3600" dirty="0">
               <a:latin typeface="微软雅黑 Light" pitchFamily="34" charset="-122"/>
               <a:ea typeface="微软雅黑 Light" pitchFamily="34" charset="-122"/>
             </a:endParaRPr>
@@ -15512,20 +15618,27 @@
             <p:ph type="title"/>
           </p:nvPr>
         </p:nvSpPr>
-        <p:spPr/>
-        <p:txBody>
-          <a:bodyPr/>
+        <p:spPr>
+          <a:xfrm>
+            <a:off x="457200" y="413792"/>
+            <a:ext cx="8229600" cy="1143000"/>
+          </a:xfrm>
+        </p:spPr>
+        <p:txBody>
+          <a:bodyPr>
+            <a:normAutofit/>
+          </a:bodyPr>
           <a:lstStyle/>
           <a:p>
             <a:pPr indent="457200" algn="l"/>
             <a:r>
-              <a:rPr lang="zh-CN" altLang="en-US" dirty="0" smtClean="0">
+              <a:rPr lang="zh-CN" altLang="en-US" sz="3600" dirty="0" smtClean="0">
                 <a:latin typeface="微软雅黑 Light" pitchFamily="34" charset="-122"/>
                 <a:ea typeface="微软雅黑 Light" pitchFamily="34" charset="-122"/>
               </a:rPr>
               <a:t>主要参考资料</a:t>
             </a:r>
-            <a:endParaRPr lang="zh-CN" altLang="en-US" dirty="0">
+            <a:endParaRPr lang="zh-CN" altLang="en-US" sz="3600" dirty="0">
               <a:latin typeface="微软雅黑 Light" pitchFamily="34" charset="-122"/>
               <a:ea typeface="微软雅黑 Light" pitchFamily="34" charset="-122"/>
             </a:endParaRPr>
@@ -15831,20 +15944,27 @@
             <p:ph type="title"/>
           </p:nvPr>
         </p:nvSpPr>
-        <p:spPr/>
-        <p:txBody>
-          <a:bodyPr/>
+        <p:spPr>
+          <a:xfrm>
+            <a:off x="457200" y="557808"/>
+            <a:ext cx="8229600" cy="1143000"/>
+          </a:xfrm>
+        </p:spPr>
+        <p:txBody>
+          <a:bodyPr>
+            <a:normAutofit/>
+          </a:bodyPr>
           <a:lstStyle/>
           <a:p>
             <a:pPr indent="457200" algn="l"/>
             <a:r>
-              <a:rPr lang="zh-CN" altLang="en-US" dirty="0" smtClean="0">
+              <a:rPr lang="zh-CN" altLang="en-US" sz="3600" dirty="0" smtClean="0">
                 <a:latin typeface="微软雅黑 Light" pitchFamily="34" charset="-122"/>
                 <a:ea typeface="微软雅黑 Light" pitchFamily="34" charset="-122"/>
               </a:rPr>
               <a:t>涉及工具</a:t>
             </a:r>
-            <a:endParaRPr lang="zh-CN" altLang="en-US" dirty="0">
+            <a:endParaRPr lang="zh-CN" altLang="en-US" sz="3600" dirty="0">
               <a:latin typeface="微软雅黑 Light" pitchFamily="34" charset="-122"/>
               <a:ea typeface="微软雅黑 Light" pitchFamily="34" charset="-122"/>
             </a:endParaRPr>
@@ -16051,27 +16171,34 @@
             <p:ph type="title"/>
           </p:nvPr>
         </p:nvSpPr>
-        <p:spPr/>
-        <p:txBody>
-          <a:bodyPr/>
+        <p:spPr>
+          <a:xfrm>
+            <a:off x="467544" y="557808"/>
+            <a:ext cx="8229600" cy="1143000"/>
+          </a:xfrm>
+        </p:spPr>
+        <p:txBody>
+          <a:bodyPr>
+            <a:normAutofit/>
+          </a:bodyPr>
           <a:lstStyle/>
           <a:p>
             <a:pPr indent="457200" algn="l"/>
             <a:r>
-              <a:rPr lang="zh-CN" altLang="en-US" dirty="0">
+              <a:rPr lang="zh-CN" altLang="en-US" sz="3600" dirty="0">
                 <a:latin typeface="微软雅黑 Light" pitchFamily="34" charset="-122"/>
                 <a:ea typeface="微软雅黑 Light" pitchFamily="34" charset="-122"/>
               </a:rPr>
               <a:t>环境</a:t>
             </a:r>
             <a:r>
-              <a:rPr lang="zh-CN" altLang="en-US" dirty="0" smtClean="0">
+              <a:rPr lang="zh-CN" altLang="en-US" sz="3600" dirty="0" smtClean="0">
                 <a:latin typeface="微软雅黑 Light" pitchFamily="34" charset="-122"/>
                 <a:ea typeface="微软雅黑 Light" pitchFamily="34" charset="-122"/>
               </a:rPr>
               <a:t>准备</a:t>
             </a:r>
-            <a:endParaRPr lang="zh-CN" altLang="en-US" dirty="0">
+            <a:endParaRPr lang="zh-CN" altLang="en-US" sz="3600" dirty="0">
               <a:latin typeface="微软雅黑 Light" pitchFamily="34" charset="-122"/>
               <a:ea typeface="微软雅黑 Light" pitchFamily="34" charset="-122"/>
             </a:endParaRPr>
@@ -16251,19 +16378,26 @@
             <p:ph type="title"/>
           </p:nvPr>
         </p:nvSpPr>
-        <p:spPr/>
-        <p:txBody>
-          <a:bodyPr/>
+        <p:spPr>
+          <a:xfrm>
+            <a:off x="457200" y="485800"/>
+            <a:ext cx="8229600" cy="1143000"/>
+          </a:xfrm>
+        </p:spPr>
+        <p:txBody>
+          <a:bodyPr>
+            <a:normAutofit/>
+          </a:bodyPr>
           <a:lstStyle/>
           <a:p>
             <a:r>
-              <a:rPr lang="zh-CN" altLang="en-US" dirty="0" smtClean="0">
+              <a:rPr lang="zh-CN" altLang="en-US" sz="3600" dirty="0" smtClean="0">
                 <a:latin typeface="微软雅黑 Light" pitchFamily="34" charset="-122"/>
                 <a:ea typeface="微软雅黑 Light" pitchFamily="34" charset="-122"/>
               </a:rPr>
               <a:t>区块链（公链）发展简史</a:t>
             </a:r>
-            <a:endParaRPr lang="zh-CN" altLang="en-US" dirty="0">
+            <a:endParaRPr lang="zh-CN" altLang="en-US" sz="3600" dirty="0">
               <a:latin typeface="微软雅黑 Light" pitchFamily="34" charset="-122"/>
               <a:ea typeface="微软雅黑 Light" pitchFamily="34" charset="-122"/>
             </a:endParaRPr>
